--- a/Quizzes/GraphsForQuiz1.pptx
+++ b/Quizzes/GraphsForQuiz1.pptx
@@ -106,6 +106,11 @@
       </a:defRPr>
     </a:lvl9pPr>
   </p:defaultTextStyle>
+  <p:extLst>
+    <p:ext uri="{EFAFB233-063F-42B5-8137-9DF3F51BA10A}">
+      <p15:sldGuideLst xmlns:p15="http://schemas.microsoft.com/office/powerpoint/2012/main"/>
+    </p:ext>
+  </p:extLst>
 </p:presentation>
 </file>
 
@@ -256,7 +261,7 @@
           <a:p>
             <a:fld id="{7153704C-4E34-6246-9B21-2D45F215B82E}" type="datetimeFigureOut">
               <a:rPr lang="en-US" smtClean="0"/>
-              <a:t>1/16/21</a:t>
+              <a:t>1/20/21</a:t>
             </a:fld>
             <a:endParaRPr lang="en-US"/>
           </a:p>
@@ -454,7 +459,7 @@
           <a:p>
             <a:fld id="{7153704C-4E34-6246-9B21-2D45F215B82E}" type="datetimeFigureOut">
               <a:rPr lang="en-US" smtClean="0"/>
-              <a:t>1/16/21</a:t>
+              <a:t>1/20/21</a:t>
             </a:fld>
             <a:endParaRPr lang="en-US"/>
           </a:p>
@@ -662,7 +667,7 @@
           <a:p>
             <a:fld id="{7153704C-4E34-6246-9B21-2D45F215B82E}" type="datetimeFigureOut">
               <a:rPr lang="en-US" smtClean="0"/>
-              <a:t>1/16/21</a:t>
+              <a:t>1/20/21</a:t>
             </a:fld>
             <a:endParaRPr lang="en-US"/>
           </a:p>
@@ -860,7 +865,7 @@
           <a:p>
             <a:fld id="{7153704C-4E34-6246-9B21-2D45F215B82E}" type="datetimeFigureOut">
               <a:rPr lang="en-US" smtClean="0"/>
-              <a:t>1/16/21</a:t>
+              <a:t>1/20/21</a:t>
             </a:fld>
             <a:endParaRPr lang="en-US"/>
           </a:p>
@@ -1135,7 +1140,7 @@
           <a:p>
             <a:fld id="{7153704C-4E34-6246-9B21-2D45F215B82E}" type="datetimeFigureOut">
               <a:rPr lang="en-US" smtClean="0"/>
-              <a:t>1/16/21</a:t>
+              <a:t>1/20/21</a:t>
             </a:fld>
             <a:endParaRPr lang="en-US"/>
           </a:p>
@@ -1400,7 +1405,7 @@
           <a:p>
             <a:fld id="{7153704C-4E34-6246-9B21-2D45F215B82E}" type="datetimeFigureOut">
               <a:rPr lang="en-US" smtClean="0"/>
-              <a:t>1/16/21</a:t>
+              <a:t>1/20/21</a:t>
             </a:fld>
             <a:endParaRPr lang="en-US"/>
           </a:p>
@@ -1812,7 +1817,7 @@
           <a:p>
             <a:fld id="{7153704C-4E34-6246-9B21-2D45F215B82E}" type="datetimeFigureOut">
               <a:rPr lang="en-US" smtClean="0"/>
-              <a:t>1/16/21</a:t>
+              <a:t>1/20/21</a:t>
             </a:fld>
             <a:endParaRPr lang="en-US"/>
           </a:p>
@@ -1953,7 +1958,7 @@
           <a:p>
             <a:fld id="{7153704C-4E34-6246-9B21-2D45F215B82E}" type="datetimeFigureOut">
               <a:rPr lang="en-US" smtClean="0"/>
-              <a:t>1/16/21</a:t>
+              <a:t>1/20/21</a:t>
             </a:fld>
             <a:endParaRPr lang="en-US"/>
           </a:p>
@@ -2066,7 +2071,7 @@
           <a:p>
             <a:fld id="{7153704C-4E34-6246-9B21-2D45F215B82E}" type="datetimeFigureOut">
               <a:rPr lang="en-US" smtClean="0"/>
-              <a:t>1/16/21</a:t>
+              <a:t>1/20/21</a:t>
             </a:fld>
             <a:endParaRPr lang="en-US"/>
           </a:p>
@@ -2377,7 +2382,7 @@
           <a:p>
             <a:fld id="{7153704C-4E34-6246-9B21-2D45F215B82E}" type="datetimeFigureOut">
               <a:rPr lang="en-US" smtClean="0"/>
-              <a:t>1/16/21</a:t>
+              <a:t>1/20/21</a:t>
             </a:fld>
             <a:endParaRPr lang="en-US"/>
           </a:p>
@@ -2665,7 +2670,7 @@
           <a:p>
             <a:fld id="{7153704C-4E34-6246-9B21-2D45F215B82E}" type="datetimeFigureOut">
               <a:rPr lang="en-US" smtClean="0"/>
-              <a:t>1/16/21</a:t>
+              <a:t>1/20/21</a:t>
             </a:fld>
             <a:endParaRPr lang="en-US"/>
           </a:p>
@@ -2906,7 +2911,7 @@
           <a:p>
             <a:fld id="{7153704C-4E34-6246-9B21-2D45F215B82E}" type="datetimeFigureOut">
               <a:rPr lang="en-US" smtClean="0"/>
-              <a:t>1/16/21</a:t>
+              <a:t>1/20/21</a:t>
             </a:fld>
             <a:endParaRPr lang="en-US"/>
           </a:p>
@@ -4125,14 +4130,14 @@
           <p:cNvCxnSpPr>
             <a:cxnSpLocks/>
             <a:stCxn id="4" idx="4"/>
-            <a:endCxn id="8" idx="0"/>
+            <a:endCxn id="27" idx="7"/>
           </p:cNvCxnSpPr>
           <p:nvPr/>
         </p:nvCxnSpPr>
         <p:spPr>
-          <a:xfrm>
-            <a:off x="3578999" y="1082874"/>
-            <a:ext cx="0" cy="313668"/>
+          <a:xfrm flipH="1">
+            <a:off x="2937362" y="1082874"/>
+            <a:ext cx="641637" cy="2373029"/>
           </a:xfrm>
           <a:prstGeom prst="straightConnector1">
             <a:avLst/>
@@ -4161,10 +4166,10 @@
       </p:cxnSp>
       <p:sp>
         <p:nvSpPr>
-          <p:cNvPr id="8" name="Oval 7">
-            <a:extLst>
-              <a:ext uri="{FF2B5EF4-FFF2-40B4-BE49-F238E27FC236}">
-                <a16:creationId xmlns:a16="http://schemas.microsoft.com/office/drawing/2014/main" id="{4A954F2C-1B8A-1941-80E0-B2E147DB1410}"/>
+          <p:cNvPr id="10" name="Oval 9">
+            <a:extLst>
+              <a:ext uri="{FF2B5EF4-FFF2-40B4-BE49-F238E27FC236}">
+                <a16:creationId xmlns:a16="http://schemas.microsoft.com/office/drawing/2014/main" id="{231F3A0F-00CD-C54F-9095-477DC25FA652}"/>
               </a:ext>
             </a:extLst>
           </p:cNvPr>
@@ -4175,7 +4180,7 @@
         </p:nvSpPr>
         <p:spPr>
           <a:xfrm>
-            <a:off x="3281819" y="1396542"/>
+            <a:off x="2413006" y="1819397"/>
             <a:ext cx="594360" cy="594360"/>
           </a:xfrm>
           <a:prstGeom prst="ellipse">
@@ -4215,10 +4220,10 @@
       </p:sp>
       <p:sp>
         <p:nvSpPr>
-          <p:cNvPr id="9" name="TextBox 8">
-            <a:extLst>
-              <a:ext uri="{FF2B5EF4-FFF2-40B4-BE49-F238E27FC236}">
-                <a16:creationId xmlns:a16="http://schemas.microsoft.com/office/drawing/2014/main" id="{B0BF0067-7077-514A-BC9A-75EC9B9199ED}"/>
+          <p:cNvPr id="11" name="TextBox 10">
+            <a:extLst>
+              <a:ext uri="{FF2B5EF4-FFF2-40B4-BE49-F238E27FC236}">
+                <a16:creationId xmlns:a16="http://schemas.microsoft.com/office/drawing/2014/main" id="{F6C30709-CB9D-774D-8656-9C06730B4E03}"/>
               </a:ext>
             </a:extLst>
           </p:cNvPr>
@@ -4227,8 +4232,8 @@
         </p:nvSpPr>
         <p:spPr>
           <a:xfrm>
-            <a:off x="3432164" y="1509056"/>
-            <a:ext cx="324128" cy="369332"/>
+            <a:off x="2556939" y="1931911"/>
+            <a:ext cx="306494" cy="369332"/>
           </a:xfrm>
           <a:prstGeom prst="rect">
             <a:avLst/>
@@ -4243,17 +4248,63 @@
           <a:p>
             <a:r>
               <a:rPr lang="en-US" b="1" dirty="0"/>
-              <a:t>A</a:t>
-            </a:r>
-          </a:p>
-        </p:txBody>
-      </p:sp>
-      <p:sp>
-        <p:nvSpPr>
-          <p:cNvPr id="10" name="Oval 9">
-            <a:extLst>
-              <a:ext uri="{FF2B5EF4-FFF2-40B4-BE49-F238E27FC236}">
-                <a16:creationId xmlns:a16="http://schemas.microsoft.com/office/drawing/2014/main" id="{231F3A0F-00CD-C54F-9095-477DC25FA652}"/>
+              <a:t>C</a:t>
+            </a:r>
+          </a:p>
+        </p:txBody>
+      </p:sp>
+      <p:cxnSp>
+        <p:nvCxnSpPr>
+          <p:cNvPr id="12" name="Straight Arrow Connector 11">
+            <a:extLst>
+              <a:ext uri="{FF2B5EF4-FFF2-40B4-BE49-F238E27FC236}">
+                <a16:creationId xmlns:a16="http://schemas.microsoft.com/office/drawing/2014/main" id="{3C282F6B-CF7D-3D47-9DCE-BCA0D21B88E0}"/>
+              </a:ext>
+            </a:extLst>
+          </p:cNvPr>
+          <p:cNvCxnSpPr>
+            <a:cxnSpLocks/>
+            <a:stCxn id="4" idx="3"/>
+            <a:endCxn id="10" idx="0"/>
+          </p:cNvCxnSpPr>
+          <p:nvPr/>
+        </p:nvCxnSpPr>
+        <p:spPr>
+          <a:xfrm flipH="1">
+            <a:off x="2710186" y="995832"/>
+            <a:ext cx="658675" cy="823565"/>
+          </a:xfrm>
+          <a:prstGeom prst="straightConnector1">
+            <a:avLst/>
+          </a:prstGeom>
+          <a:ln w="25400">
+            <a:solidFill>
+              <a:schemeClr val="tx1"/>
+            </a:solidFill>
+            <a:tailEnd type="triangle" w="lg" len="lg"/>
+          </a:ln>
+        </p:spPr>
+        <p:style>
+          <a:lnRef idx="1">
+            <a:schemeClr val="accent1"/>
+          </a:lnRef>
+          <a:fillRef idx="0">
+            <a:schemeClr val="accent1"/>
+          </a:fillRef>
+          <a:effectRef idx="0">
+            <a:schemeClr val="accent1"/>
+          </a:effectRef>
+          <a:fontRef idx="minor">
+            <a:schemeClr val="tx1"/>
+          </a:fontRef>
+        </p:style>
+      </p:cxnSp>
+      <p:sp>
+        <p:nvSpPr>
+          <p:cNvPr id="15" name="Oval 14">
+            <a:extLst>
+              <a:ext uri="{FF2B5EF4-FFF2-40B4-BE49-F238E27FC236}">
+                <a16:creationId xmlns:a16="http://schemas.microsoft.com/office/drawing/2014/main" id="{0F1A5C54-99B8-0C49-92B4-150DEC54D968}"/>
               </a:ext>
             </a:extLst>
           </p:cNvPr>
@@ -4264,7 +4315,7 @@
         </p:nvSpPr>
         <p:spPr>
           <a:xfrm>
-            <a:off x="2430044" y="2328982"/>
+            <a:off x="3828118" y="1819397"/>
             <a:ext cx="594360" cy="594360"/>
           </a:xfrm>
           <a:prstGeom prst="ellipse">
@@ -4304,10 +4355,10 @@
       </p:sp>
       <p:sp>
         <p:nvSpPr>
-          <p:cNvPr id="11" name="TextBox 10">
-            <a:extLst>
-              <a:ext uri="{FF2B5EF4-FFF2-40B4-BE49-F238E27FC236}">
-                <a16:creationId xmlns:a16="http://schemas.microsoft.com/office/drawing/2014/main" id="{F6C30709-CB9D-774D-8656-9C06730B4E03}"/>
+          <p:cNvPr id="16" name="TextBox 15">
+            <a:extLst>
+              <a:ext uri="{FF2B5EF4-FFF2-40B4-BE49-F238E27FC236}">
+                <a16:creationId xmlns:a16="http://schemas.microsoft.com/office/drawing/2014/main" id="{260BCC0A-EACC-4A49-8648-8DB14B516041}"/>
               </a:ext>
             </a:extLst>
           </p:cNvPr>
@@ -4316,8 +4367,8 @@
         </p:nvSpPr>
         <p:spPr>
           <a:xfrm>
-            <a:off x="2573977" y="2441496"/>
-            <a:ext cx="306494" cy="369332"/>
+            <a:off x="3978463" y="1931911"/>
+            <a:ext cx="314510" cy="369332"/>
           </a:xfrm>
           <a:prstGeom prst="rect">
             <a:avLst/>
@@ -4325,38 +4376,37 @@
           <a:noFill/>
         </p:spPr>
         <p:txBody>
-          <a:bodyPr wrap="none" rtlCol="0">
+          <a:bodyPr wrap="square" rtlCol="0">
             <a:spAutoFit/>
           </a:bodyPr>
           <a:lstStyle/>
           <a:p>
             <a:r>
               <a:rPr lang="en-US" b="1" dirty="0"/>
-              <a:t>C</a:t>
+              <a:t>B</a:t>
             </a:r>
           </a:p>
         </p:txBody>
       </p:sp>
       <p:cxnSp>
         <p:nvCxnSpPr>
-          <p:cNvPr id="12" name="Straight Arrow Connector 11">
-            <a:extLst>
-              <a:ext uri="{FF2B5EF4-FFF2-40B4-BE49-F238E27FC236}">
-                <a16:creationId xmlns:a16="http://schemas.microsoft.com/office/drawing/2014/main" id="{3C282F6B-CF7D-3D47-9DCE-BCA0D21B88E0}"/>
+          <p:cNvPr id="21" name="Straight Arrow Connector 20">
+            <a:extLst>
+              <a:ext uri="{FF2B5EF4-FFF2-40B4-BE49-F238E27FC236}">
+                <a16:creationId xmlns:a16="http://schemas.microsoft.com/office/drawing/2014/main" id="{EB4334D2-685C-F949-856C-2E08BD879C4F}"/>
               </a:ext>
             </a:extLst>
           </p:cNvPr>
           <p:cNvCxnSpPr>
             <a:cxnSpLocks/>
-            <a:stCxn id="4" idx="3"/>
-            <a:endCxn id="10" idx="0"/>
+            <a:endCxn id="15" idx="0"/>
           </p:cNvCxnSpPr>
           <p:nvPr/>
         </p:nvCxnSpPr>
         <p:spPr>
-          <a:xfrm flipH="1">
-            <a:off x="2727224" y="995832"/>
-            <a:ext cx="641637" cy="1333150"/>
+          <a:xfrm>
+            <a:off x="3632927" y="1069524"/>
+            <a:ext cx="492371" cy="749873"/>
           </a:xfrm>
           <a:prstGeom prst="straightConnector1">
             <a:avLst/>
@@ -4383,12 +4433,57 @@
           </a:fontRef>
         </p:style>
       </p:cxnSp>
-      <p:sp>
-        <p:nvSpPr>
-          <p:cNvPr id="15" name="Oval 14">
-            <a:extLst>
-              <a:ext uri="{FF2B5EF4-FFF2-40B4-BE49-F238E27FC236}">
-                <a16:creationId xmlns:a16="http://schemas.microsoft.com/office/drawing/2014/main" id="{0F1A5C54-99B8-0C49-92B4-150DEC54D968}"/>
+      <p:cxnSp>
+        <p:nvCxnSpPr>
+          <p:cNvPr id="25" name="Straight Arrow Connector 24">
+            <a:extLst>
+              <a:ext uri="{FF2B5EF4-FFF2-40B4-BE49-F238E27FC236}">
+                <a16:creationId xmlns:a16="http://schemas.microsoft.com/office/drawing/2014/main" id="{C30475FD-5618-6A4D-B9EE-D2197E9FE5A1}"/>
+              </a:ext>
+            </a:extLst>
+          </p:cNvPr>
+          <p:cNvCxnSpPr>
+            <a:cxnSpLocks/>
+            <a:stCxn id="10" idx="4"/>
+          </p:cNvCxnSpPr>
+          <p:nvPr/>
+        </p:nvCxnSpPr>
+        <p:spPr>
+          <a:xfrm>
+            <a:off x="2710186" y="2413757"/>
+            <a:ext cx="17038" cy="955104"/>
+          </a:xfrm>
+          <a:prstGeom prst="straightConnector1">
+            <a:avLst/>
+          </a:prstGeom>
+          <a:ln w="25400">
+            <a:solidFill>
+              <a:schemeClr val="tx1"/>
+            </a:solidFill>
+            <a:tailEnd type="triangle" w="lg" len="lg"/>
+          </a:ln>
+        </p:spPr>
+        <p:style>
+          <a:lnRef idx="1">
+            <a:schemeClr val="accent1"/>
+          </a:lnRef>
+          <a:fillRef idx="0">
+            <a:schemeClr val="accent1"/>
+          </a:fillRef>
+          <a:effectRef idx="0">
+            <a:schemeClr val="accent1"/>
+          </a:effectRef>
+          <a:fontRef idx="minor">
+            <a:schemeClr val="tx1"/>
+          </a:fontRef>
+        </p:style>
+      </p:cxnSp>
+      <p:sp>
+        <p:nvSpPr>
+          <p:cNvPr id="27" name="Oval 26">
+            <a:extLst>
+              <a:ext uri="{FF2B5EF4-FFF2-40B4-BE49-F238E27FC236}">
+                <a16:creationId xmlns:a16="http://schemas.microsoft.com/office/drawing/2014/main" id="{E9840CD5-2A18-0743-8B3B-E2916C337BF3}"/>
               </a:ext>
             </a:extLst>
           </p:cNvPr>
@@ -4399,7 +4494,7 @@
         </p:nvSpPr>
         <p:spPr>
           <a:xfrm>
-            <a:off x="4191859" y="2328982"/>
+            <a:off x="2430044" y="3368861"/>
             <a:ext cx="594360" cy="594360"/>
           </a:xfrm>
           <a:prstGeom prst="ellipse">
@@ -4439,10 +4534,10 @@
       </p:sp>
       <p:sp>
         <p:nvSpPr>
-          <p:cNvPr id="16" name="TextBox 15">
-            <a:extLst>
-              <a:ext uri="{FF2B5EF4-FFF2-40B4-BE49-F238E27FC236}">
-                <a16:creationId xmlns:a16="http://schemas.microsoft.com/office/drawing/2014/main" id="{260BCC0A-EACC-4A49-8648-8DB14B516041}"/>
+          <p:cNvPr id="28" name="TextBox 27">
+            <a:extLst>
+              <a:ext uri="{FF2B5EF4-FFF2-40B4-BE49-F238E27FC236}">
+                <a16:creationId xmlns:a16="http://schemas.microsoft.com/office/drawing/2014/main" id="{4E4EA3E9-B567-6642-87C7-4E48B443B755}"/>
               </a:ext>
             </a:extLst>
           </p:cNvPr>
@@ -4451,8 +4546,8 @@
         </p:nvSpPr>
         <p:spPr>
           <a:xfrm>
-            <a:off x="4342204" y="2441496"/>
-            <a:ext cx="314510" cy="369332"/>
+            <a:off x="2555116" y="3471980"/>
+            <a:ext cx="332142" cy="369332"/>
           </a:xfrm>
           <a:prstGeom prst="rect">
             <a:avLst/>
@@ -4467,31 +4562,31 @@
           <a:p>
             <a:r>
               <a:rPr lang="en-US" b="1" dirty="0"/>
-              <a:t>B</a:t>
+              <a:t>G</a:t>
             </a:r>
           </a:p>
         </p:txBody>
       </p:sp>
       <p:cxnSp>
         <p:nvCxnSpPr>
-          <p:cNvPr id="17" name="Straight Arrow Connector 16">
-            <a:extLst>
-              <a:ext uri="{FF2B5EF4-FFF2-40B4-BE49-F238E27FC236}">
-                <a16:creationId xmlns:a16="http://schemas.microsoft.com/office/drawing/2014/main" id="{FC0D89FF-9176-2642-8F6D-38D7FB8E18D2}"/>
+          <p:cNvPr id="29" name="Straight Arrow Connector 28">
+            <a:extLst>
+              <a:ext uri="{FF2B5EF4-FFF2-40B4-BE49-F238E27FC236}">
+                <a16:creationId xmlns:a16="http://schemas.microsoft.com/office/drawing/2014/main" id="{DA37C592-5A13-3344-8946-D095CE1BFF9D}"/>
               </a:ext>
             </a:extLst>
           </p:cNvPr>
           <p:cNvCxnSpPr>
             <a:cxnSpLocks/>
-            <a:stCxn id="8" idx="3"/>
-            <a:endCxn id="10" idx="7"/>
+            <a:stCxn id="4" idx="5"/>
+            <a:endCxn id="22" idx="1"/>
           </p:cNvCxnSpPr>
           <p:nvPr/>
         </p:nvCxnSpPr>
         <p:spPr>
-          <a:xfrm flipH="1">
-            <a:off x="2937362" y="1903860"/>
-            <a:ext cx="431499" cy="512164"/>
+          <a:xfrm>
+            <a:off x="3789137" y="995832"/>
+            <a:ext cx="1117255" cy="910607"/>
           </a:xfrm>
           <a:prstGeom prst="straightConnector1">
             <a:avLst/>
@@ -4518,113 +4613,23 @@
           </a:fontRef>
         </p:style>
       </p:cxnSp>
-      <p:cxnSp>
-        <p:nvCxnSpPr>
-          <p:cNvPr id="21" name="Straight Arrow Connector 20">
-            <a:extLst>
-              <a:ext uri="{FF2B5EF4-FFF2-40B4-BE49-F238E27FC236}">
-                <a16:creationId xmlns:a16="http://schemas.microsoft.com/office/drawing/2014/main" id="{EB4334D2-685C-F949-856C-2E08BD879C4F}"/>
-              </a:ext>
-            </a:extLst>
-          </p:cNvPr>
-          <p:cNvCxnSpPr>
-            <a:cxnSpLocks/>
-            <a:stCxn id="8" idx="6"/>
-            <a:endCxn id="15" idx="1"/>
-          </p:cNvCxnSpPr>
+      <p:sp>
+        <p:nvSpPr>
+          <p:cNvPr id="22" name="Oval 21">
+            <a:extLst>
+              <a:ext uri="{FF2B5EF4-FFF2-40B4-BE49-F238E27FC236}">
+                <a16:creationId xmlns:a16="http://schemas.microsoft.com/office/drawing/2014/main" id="{EDFF8EFE-899C-5740-9B90-62912C244A9C}"/>
+              </a:ext>
+            </a:extLst>
+          </p:cNvPr>
+          <p:cNvSpPr>
+            <a:spLocks noChangeAspect="1"/>
+          </p:cNvSpPr>
           <p:nvPr/>
-        </p:nvCxnSpPr>
-        <p:spPr>
-          <a:xfrm>
-            <a:off x="3876179" y="1693722"/>
-            <a:ext cx="402722" cy="722302"/>
-          </a:xfrm>
-          <a:prstGeom prst="straightConnector1">
-            <a:avLst/>
-          </a:prstGeom>
-          <a:ln w="25400">
-            <a:solidFill>
-              <a:schemeClr val="tx1"/>
-            </a:solidFill>
-            <a:tailEnd type="triangle" w="lg" len="lg"/>
-          </a:ln>
-        </p:spPr>
-        <p:style>
-          <a:lnRef idx="1">
-            <a:schemeClr val="accent1"/>
-          </a:lnRef>
-          <a:fillRef idx="0">
-            <a:schemeClr val="accent1"/>
-          </a:fillRef>
-          <a:effectRef idx="0">
-            <a:schemeClr val="accent1"/>
-          </a:effectRef>
-          <a:fontRef idx="minor">
-            <a:schemeClr val="tx1"/>
-          </a:fontRef>
-        </p:style>
-      </p:cxnSp>
-      <p:cxnSp>
-        <p:nvCxnSpPr>
-          <p:cNvPr id="25" name="Straight Arrow Connector 24">
-            <a:extLst>
-              <a:ext uri="{FF2B5EF4-FFF2-40B4-BE49-F238E27FC236}">
-                <a16:creationId xmlns:a16="http://schemas.microsoft.com/office/drawing/2014/main" id="{C30475FD-5618-6A4D-B9EE-D2197E9FE5A1}"/>
-              </a:ext>
-            </a:extLst>
-          </p:cNvPr>
-          <p:cNvCxnSpPr>
-            <a:cxnSpLocks/>
-          </p:cNvCxnSpPr>
-          <p:nvPr/>
-        </p:nvCxnSpPr>
-        <p:spPr>
-          <a:xfrm>
-            <a:off x="2727224" y="2923342"/>
-            <a:ext cx="0" cy="445519"/>
-          </a:xfrm>
-          <a:prstGeom prst="straightConnector1">
-            <a:avLst/>
-          </a:prstGeom>
-          <a:ln w="25400">
-            <a:solidFill>
-              <a:schemeClr val="tx1"/>
-            </a:solidFill>
-            <a:tailEnd type="triangle" w="lg" len="lg"/>
-          </a:ln>
-        </p:spPr>
-        <p:style>
-          <a:lnRef idx="1">
-            <a:schemeClr val="accent1"/>
-          </a:lnRef>
-          <a:fillRef idx="0">
-            <a:schemeClr val="accent1"/>
-          </a:fillRef>
-          <a:effectRef idx="0">
-            <a:schemeClr val="accent1"/>
-          </a:effectRef>
-          <a:fontRef idx="minor">
-            <a:schemeClr val="tx1"/>
-          </a:fontRef>
-        </p:style>
-      </p:cxnSp>
-      <p:sp>
-        <p:nvSpPr>
-          <p:cNvPr id="27" name="Oval 26">
-            <a:extLst>
-              <a:ext uri="{FF2B5EF4-FFF2-40B4-BE49-F238E27FC236}">
-                <a16:creationId xmlns:a16="http://schemas.microsoft.com/office/drawing/2014/main" id="{E9840CD5-2A18-0743-8B3B-E2916C337BF3}"/>
-              </a:ext>
-            </a:extLst>
-          </p:cNvPr>
-          <p:cNvSpPr>
-            <a:spLocks noChangeAspect="1"/>
-          </p:cNvSpPr>
-          <p:nvPr/>
-        </p:nvSpPr>
-        <p:spPr>
-          <a:xfrm>
-            <a:off x="2430044" y="3368861"/>
+        </p:nvSpPr>
+        <p:spPr>
+          <a:xfrm>
+            <a:off x="4819350" y="1819397"/>
             <a:ext cx="594360" cy="594360"/>
           </a:xfrm>
           <a:prstGeom prst="ellipse">
@@ -4664,10 +4669,10 @@
       </p:sp>
       <p:sp>
         <p:nvSpPr>
-          <p:cNvPr id="28" name="TextBox 27">
-            <a:extLst>
-              <a:ext uri="{FF2B5EF4-FFF2-40B4-BE49-F238E27FC236}">
-                <a16:creationId xmlns:a16="http://schemas.microsoft.com/office/drawing/2014/main" id="{4E4EA3E9-B567-6642-87C7-4E48B443B755}"/>
+          <p:cNvPr id="23" name="TextBox 22">
+            <a:extLst>
+              <a:ext uri="{FF2B5EF4-FFF2-40B4-BE49-F238E27FC236}">
+                <a16:creationId xmlns:a16="http://schemas.microsoft.com/office/drawing/2014/main" id="{530598B4-DEEB-6649-B2B2-B8EEA0159814}"/>
               </a:ext>
             </a:extLst>
           </p:cNvPr>
@@ -4676,8 +4681,8 @@
         </p:nvSpPr>
         <p:spPr>
           <a:xfrm>
-            <a:off x="2555116" y="3471980"/>
-            <a:ext cx="332142" cy="369332"/>
+            <a:off x="4969695" y="1931911"/>
+            <a:ext cx="314510" cy="369332"/>
           </a:xfrm>
           <a:prstGeom prst="rect">
             <a:avLst/>
@@ -4685,64 +4690,18 @@
           <a:noFill/>
         </p:spPr>
         <p:txBody>
-          <a:bodyPr wrap="none" rtlCol="0">
+          <a:bodyPr wrap="square" rtlCol="0">
             <a:spAutoFit/>
           </a:bodyPr>
           <a:lstStyle/>
           <a:p>
             <a:r>
               <a:rPr lang="en-US" b="1" dirty="0"/>
-              <a:t>G</a:t>
-            </a:r>
-          </a:p>
-        </p:txBody>
-      </p:sp>
-      <p:cxnSp>
-        <p:nvCxnSpPr>
-          <p:cNvPr id="29" name="Straight Arrow Connector 28">
-            <a:extLst>
-              <a:ext uri="{FF2B5EF4-FFF2-40B4-BE49-F238E27FC236}">
-                <a16:creationId xmlns:a16="http://schemas.microsoft.com/office/drawing/2014/main" id="{DA37C592-5A13-3344-8946-D095CE1BFF9D}"/>
-              </a:ext>
-            </a:extLst>
-          </p:cNvPr>
-          <p:cNvCxnSpPr>
-            <a:cxnSpLocks/>
-            <a:stCxn id="4" idx="6"/>
-            <a:endCxn id="15" idx="0"/>
-          </p:cNvCxnSpPr>
-          <p:nvPr/>
-        </p:nvCxnSpPr>
-        <p:spPr>
-          <a:xfrm>
-            <a:off x="3876179" y="785694"/>
-            <a:ext cx="612860" cy="1543288"/>
-          </a:xfrm>
-          <a:prstGeom prst="straightConnector1">
-            <a:avLst/>
-          </a:prstGeom>
-          <a:ln w="25400">
-            <a:solidFill>
-              <a:schemeClr val="tx1"/>
-            </a:solidFill>
-            <a:tailEnd type="triangle" w="lg" len="lg"/>
-          </a:ln>
-        </p:spPr>
-        <p:style>
-          <a:lnRef idx="1">
-            <a:schemeClr val="accent1"/>
-          </a:lnRef>
-          <a:fillRef idx="0">
-            <a:schemeClr val="accent1"/>
-          </a:fillRef>
-          <a:effectRef idx="0">
-            <a:schemeClr val="accent1"/>
-          </a:effectRef>
-          <a:fontRef idx="minor">
-            <a:schemeClr val="tx1"/>
-          </a:fontRef>
-        </p:style>
-      </p:cxnSp>
+              <a:t>F</a:t>
+            </a:r>
+          </a:p>
+        </p:txBody>
+      </p:sp>
     </p:spTree>
     <p:extLst>
       <p:ext uri="{BB962C8B-B14F-4D97-AF65-F5344CB8AC3E}">
